--- a/tex-diploma-template-main/Метод_прогнозирования_итогов_приёма_в_вузы_России_на_основе_агентного (6).pptx
+++ b/tex-diploma-template-main/Метод_прогнозирования_итогов_приёма_в_вузы_России_на_основе_агентного (6).pptx
@@ -226,7 +226,7 @@
           <a:p>
             <a:fld id="{34AD9A25-C0B7-1E4E-9641-3E9C78826FA0}" type="datetimeFigureOut">
               <a:rPr lang="ru-RU" smtClean="0"/>
-              <a:t>01.06.2022</a:t>
+              <a:t>02.06.2022</a:t>
             </a:fld>
             <a:endParaRPr lang="ru-RU"/>
           </a:p>
@@ -537,7 +537,10 @@
           <a:bodyPr/>
           <a:lstStyle/>
           <a:p>
-            <a:endParaRPr lang="ru-RU"/>
+            <a:r>
+              <a:rPr lang="ru-RU" dirty="0"/>
+              <a:t>Здравствуйте, уважаемая комиссия</a:t>
+            </a:r>
           </a:p>
         </p:txBody>
       </p:sp>
@@ -558,7 +561,7 @@
           <a:p>
             <a:fld id="{4711D1B6-B90A-4A47-AE3A-C70A78AE92D2}" type="slidenum">
               <a:rPr lang="ru-RU" smtClean="0"/>
-              <a:t>2</a:t>
+              <a:t>1</a:t>
             </a:fld>
             <a:endParaRPr lang="ru-RU"/>
           </a:p>
@@ -567,7 +570,995 @@
     </p:spTree>
     <p:extLst>
       <p:ext uri="{BB962C8B-B14F-4D97-AF65-F5344CB8AC3E}">
-        <p14:creationId xmlns:p14="http://schemas.microsoft.com/office/powerpoint/2010/main" val="3917743120"/>
+        <p14:creationId xmlns:p14="http://schemas.microsoft.com/office/powerpoint/2010/main" val="2273511435"/>
+      </p:ext>
+    </p:extLst>
+  </p:cSld>
+  <p:clrMapOvr>
+    <a:masterClrMapping/>
+  </p:clrMapOvr>
+</p:notes>
+</file>
+
+<file path=ppt/notesSlides/notesSlide10.xml><?xml version="1.0" encoding="utf-8"?>
+<p:notes xmlns:a="http://schemas.openxmlformats.org/drawingml/2006/main" xmlns:r="http://schemas.openxmlformats.org/officeDocument/2006/relationships" xmlns:p="http://schemas.openxmlformats.org/presentationml/2006/main">
+  <p:cSld>
+    <p:spTree>
+      <p:nvGrpSpPr>
+        <p:cNvPr id="1" name=""/>
+        <p:cNvGrpSpPr/>
+        <p:nvPr/>
+      </p:nvGrpSpPr>
+      <p:grpSpPr>
+        <a:xfrm>
+          <a:off x="0" y="0"/>
+          <a:ext cx="0" cy="0"/>
+          <a:chOff x="0" y="0"/>
+          <a:chExt cx="0" cy="0"/>
+        </a:xfrm>
+      </p:grpSpPr>
+      <p:sp>
+        <p:nvSpPr>
+          <p:cNvPr id="2" name="Образ слайда 1"/>
+          <p:cNvSpPr>
+            <a:spLocks noGrp="1" noRot="1" noChangeAspect="1"/>
+          </p:cNvSpPr>
+          <p:nvPr>
+            <p:ph type="sldImg"/>
+          </p:nvPr>
+        </p:nvSpPr>
+        <p:spPr/>
+      </p:sp>
+      <p:sp>
+        <p:nvSpPr>
+          <p:cNvPr id="3" name="Заметки 2"/>
+          <p:cNvSpPr>
+            <a:spLocks noGrp="1"/>
+          </p:cNvSpPr>
+          <p:nvPr>
+            <p:ph type="body" idx="1"/>
+          </p:nvPr>
+        </p:nvSpPr>
+        <p:spPr/>
+        <p:txBody>
+          <a:bodyPr/>
+          <a:lstStyle/>
+          <a:p>
+            <a:r>
+              <a:rPr lang="ru-RU" dirty="0"/>
+              <a:t>И поиск подходящего УГСН, в случае если агент примет решение подать документы на УГСН в другом ВУЗе</a:t>
+            </a:r>
+          </a:p>
+        </p:txBody>
+      </p:sp>
+      <p:sp>
+        <p:nvSpPr>
+          <p:cNvPr id="4" name="Номер слайда 3"/>
+          <p:cNvSpPr>
+            <a:spLocks noGrp="1"/>
+          </p:cNvSpPr>
+          <p:nvPr>
+            <p:ph type="sldNum" sz="quarter" idx="5"/>
+          </p:nvPr>
+        </p:nvSpPr>
+        <p:spPr/>
+        <p:txBody>
+          <a:bodyPr/>
+          <a:lstStyle/>
+          <a:p>
+            <a:fld id="{4711D1B6-B90A-4A47-AE3A-C70A78AE92D2}" type="slidenum">
+              <a:rPr lang="ru-RU" smtClean="0"/>
+              <a:t>10</a:t>
+            </a:fld>
+            <a:endParaRPr lang="ru-RU"/>
+          </a:p>
+        </p:txBody>
+      </p:sp>
+    </p:spTree>
+    <p:extLst>
+      <p:ext uri="{BB962C8B-B14F-4D97-AF65-F5344CB8AC3E}">
+        <p14:creationId xmlns:p14="http://schemas.microsoft.com/office/powerpoint/2010/main" val="1807976047"/>
+      </p:ext>
+    </p:extLst>
+  </p:cSld>
+  <p:clrMapOvr>
+    <a:masterClrMapping/>
+  </p:clrMapOvr>
+</p:notes>
+</file>
+
+<file path=ppt/notesSlides/notesSlide11.xml><?xml version="1.0" encoding="utf-8"?>
+<p:notes xmlns:a="http://schemas.openxmlformats.org/drawingml/2006/main" xmlns:r="http://schemas.openxmlformats.org/officeDocument/2006/relationships" xmlns:p="http://schemas.openxmlformats.org/presentationml/2006/main">
+  <p:cSld>
+    <p:spTree>
+      <p:nvGrpSpPr>
+        <p:cNvPr id="1" name=""/>
+        <p:cNvGrpSpPr/>
+        <p:nvPr/>
+      </p:nvGrpSpPr>
+      <p:grpSpPr>
+        <a:xfrm>
+          <a:off x="0" y="0"/>
+          <a:ext cx="0" cy="0"/>
+          <a:chOff x="0" y="0"/>
+          <a:chExt cx="0" cy="0"/>
+        </a:xfrm>
+      </p:grpSpPr>
+      <p:sp>
+        <p:nvSpPr>
+          <p:cNvPr id="2" name="Образ слайда 1"/>
+          <p:cNvSpPr>
+            <a:spLocks noGrp="1" noRot="1" noChangeAspect="1"/>
+          </p:cNvSpPr>
+          <p:nvPr>
+            <p:ph type="sldImg"/>
+          </p:nvPr>
+        </p:nvSpPr>
+        <p:spPr/>
+      </p:sp>
+      <p:sp>
+        <p:nvSpPr>
+          <p:cNvPr id="3" name="Заметки 2"/>
+          <p:cNvSpPr>
+            <a:spLocks noGrp="1"/>
+          </p:cNvSpPr>
+          <p:nvPr>
+            <p:ph type="body" idx="1"/>
+          </p:nvPr>
+        </p:nvSpPr>
+        <p:spPr/>
+        <p:txBody>
+          <a:bodyPr/>
+          <a:lstStyle/>
+          <a:p>
+            <a:r>
+              <a:rPr lang="ru-RU" dirty="0"/>
+              <a:t>Архитектура реализованного программного обеспечения представлена на слайде</a:t>
+            </a:r>
+          </a:p>
+        </p:txBody>
+      </p:sp>
+      <p:sp>
+        <p:nvSpPr>
+          <p:cNvPr id="4" name="Номер слайда 3"/>
+          <p:cNvSpPr>
+            <a:spLocks noGrp="1"/>
+          </p:cNvSpPr>
+          <p:nvPr>
+            <p:ph type="sldNum" sz="quarter" idx="5"/>
+          </p:nvPr>
+        </p:nvSpPr>
+        <p:spPr/>
+        <p:txBody>
+          <a:bodyPr/>
+          <a:lstStyle/>
+          <a:p>
+            <a:fld id="{4711D1B6-B90A-4A47-AE3A-C70A78AE92D2}" type="slidenum">
+              <a:rPr lang="ru-RU" smtClean="0"/>
+              <a:t>11</a:t>
+            </a:fld>
+            <a:endParaRPr lang="ru-RU"/>
+          </a:p>
+        </p:txBody>
+      </p:sp>
+    </p:spTree>
+    <p:extLst>
+      <p:ext uri="{BB962C8B-B14F-4D97-AF65-F5344CB8AC3E}">
+        <p14:creationId xmlns:p14="http://schemas.microsoft.com/office/powerpoint/2010/main" val="1383803967"/>
+      </p:ext>
+    </p:extLst>
+  </p:cSld>
+  <p:clrMapOvr>
+    <a:masterClrMapping/>
+  </p:clrMapOvr>
+</p:notes>
+</file>
+
+<file path=ppt/notesSlides/notesSlide12.xml><?xml version="1.0" encoding="utf-8"?>
+<p:notes xmlns:a="http://schemas.openxmlformats.org/drawingml/2006/main" xmlns:r="http://schemas.openxmlformats.org/officeDocument/2006/relationships" xmlns:p="http://schemas.openxmlformats.org/presentationml/2006/main">
+  <p:cSld>
+    <p:spTree>
+      <p:nvGrpSpPr>
+        <p:cNvPr id="1" name=""/>
+        <p:cNvGrpSpPr/>
+        <p:nvPr/>
+      </p:nvGrpSpPr>
+      <p:grpSpPr>
+        <a:xfrm>
+          <a:off x="0" y="0"/>
+          <a:ext cx="0" cy="0"/>
+          <a:chOff x="0" y="0"/>
+          <a:chExt cx="0" cy="0"/>
+        </a:xfrm>
+      </p:grpSpPr>
+      <p:sp>
+        <p:nvSpPr>
+          <p:cNvPr id="2" name="Образ слайда 1"/>
+          <p:cNvSpPr>
+            <a:spLocks noGrp="1" noRot="1" noChangeAspect="1"/>
+          </p:cNvSpPr>
+          <p:nvPr>
+            <p:ph type="sldImg"/>
+          </p:nvPr>
+        </p:nvSpPr>
+        <p:spPr/>
+      </p:sp>
+      <p:sp>
+        <p:nvSpPr>
+          <p:cNvPr id="3" name="Заметки 2"/>
+          <p:cNvSpPr>
+            <a:spLocks noGrp="1"/>
+          </p:cNvSpPr>
+          <p:nvPr>
+            <p:ph type="body" idx="1"/>
+          </p:nvPr>
+        </p:nvSpPr>
+        <p:spPr/>
+        <p:txBody>
+          <a:bodyPr/>
+          <a:lstStyle/>
+          <a:p>
+            <a:r>
+              <a:rPr lang="ru-RU" dirty="0"/>
+              <a:t>На слайде представлены результаты исследований, которые проводились на 700к </a:t>
+            </a:r>
+            <a:r>
+              <a:rPr lang="ru-RU" dirty="0" err="1"/>
+              <a:t>абитурентов</a:t>
+            </a:r>
+            <a:r>
+              <a:rPr lang="ru-RU" dirty="0"/>
+              <a:t>, с длительностью этапов перераспределения заявлений с копией аттестата и оригиналами аттестатов равной 5. Результаты представлены для трех категорий ВУЗов – технических, медицинских и </a:t>
+            </a:r>
+            <a:r>
+              <a:rPr lang="ru-RU" dirty="0" err="1"/>
+              <a:t>гуманитраных</a:t>
+            </a:r>
+            <a:r>
+              <a:rPr lang="ru-RU" dirty="0"/>
+              <a:t>. При уменьшении числа </a:t>
+            </a:r>
+            <a:r>
+              <a:rPr lang="ru-RU" dirty="0" err="1"/>
+              <a:t>бюдженых</a:t>
+            </a:r>
+            <a:r>
+              <a:rPr lang="ru-RU" dirty="0"/>
+              <a:t> мест на 10</a:t>
+            </a:r>
+            <a:r>
+              <a:rPr lang="en-US" dirty="0"/>
+              <a:t>%</a:t>
+            </a:r>
+            <a:r>
+              <a:rPr lang="ru-RU" dirty="0"/>
+              <a:t> средний балл повысился на </a:t>
+            </a:r>
+            <a:r>
+              <a:rPr lang="en-US" dirty="0"/>
+              <a:t>5%</a:t>
+            </a:r>
+            <a:endParaRPr lang="ru-RU" dirty="0"/>
+          </a:p>
+        </p:txBody>
+      </p:sp>
+      <p:sp>
+        <p:nvSpPr>
+          <p:cNvPr id="4" name="Номер слайда 3"/>
+          <p:cNvSpPr>
+            <a:spLocks noGrp="1"/>
+          </p:cNvSpPr>
+          <p:nvPr>
+            <p:ph type="sldNum" sz="quarter" idx="5"/>
+          </p:nvPr>
+        </p:nvSpPr>
+        <p:spPr/>
+        <p:txBody>
+          <a:bodyPr/>
+          <a:lstStyle/>
+          <a:p>
+            <a:fld id="{4711D1B6-B90A-4A47-AE3A-C70A78AE92D2}" type="slidenum">
+              <a:rPr lang="ru-RU" smtClean="0"/>
+              <a:t>12</a:t>
+            </a:fld>
+            <a:endParaRPr lang="ru-RU"/>
+          </a:p>
+        </p:txBody>
+      </p:sp>
+    </p:spTree>
+    <p:extLst>
+      <p:ext uri="{BB962C8B-B14F-4D97-AF65-F5344CB8AC3E}">
+        <p14:creationId xmlns:p14="http://schemas.microsoft.com/office/powerpoint/2010/main" val="3267959780"/>
+      </p:ext>
+    </p:extLst>
+  </p:cSld>
+  <p:clrMapOvr>
+    <a:masterClrMapping/>
+  </p:clrMapOvr>
+</p:notes>
+</file>
+
+<file path=ppt/notesSlides/notesSlide13.xml><?xml version="1.0" encoding="utf-8"?>
+<p:notes xmlns:a="http://schemas.openxmlformats.org/drawingml/2006/main" xmlns:r="http://schemas.openxmlformats.org/officeDocument/2006/relationships" xmlns:p="http://schemas.openxmlformats.org/presentationml/2006/main">
+  <p:cSld>
+    <p:spTree>
+      <p:nvGrpSpPr>
+        <p:cNvPr id="1" name=""/>
+        <p:cNvGrpSpPr/>
+        <p:nvPr/>
+      </p:nvGrpSpPr>
+      <p:grpSpPr>
+        <a:xfrm>
+          <a:off x="0" y="0"/>
+          <a:ext cx="0" cy="0"/>
+          <a:chOff x="0" y="0"/>
+          <a:chExt cx="0" cy="0"/>
+        </a:xfrm>
+      </p:grpSpPr>
+      <p:sp>
+        <p:nvSpPr>
+          <p:cNvPr id="2" name="Образ слайда 1"/>
+          <p:cNvSpPr>
+            <a:spLocks noGrp="1" noRot="1" noChangeAspect="1"/>
+          </p:cNvSpPr>
+          <p:nvPr>
+            <p:ph type="sldImg"/>
+          </p:nvPr>
+        </p:nvSpPr>
+        <p:spPr/>
+      </p:sp>
+      <p:sp>
+        <p:nvSpPr>
+          <p:cNvPr id="3" name="Заметки 2"/>
+          <p:cNvSpPr>
+            <a:spLocks noGrp="1"/>
+          </p:cNvSpPr>
+          <p:nvPr>
+            <p:ph type="body" idx="1"/>
+          </p:nvPr>
+        </p:nvSpPr>
+        <p:spPr/>
+        <p:txBody>
+          <a:bodyPr/>
+          <a:lstStyle/>
+          <a:p>
+            <a:r>
+              <a:rPr lang="ru-RU" dirty="0"/>
+              <a:t>Результаты в разрезе медицинских ВУЗов</a:t>
+            </a:r>
+          </a:p>
+        </p:txBody>
+      </p:sp>
+      <p:sp>
+        <p:nvSpPr>
+          <p:cNvPr id="4" name="Номер слайда 3"/>
+          <p:cNvSpPr>
+            <a:spLocks noGrp="1"/>
+          </p:cNvSpPr>
+          <p:nvPr>
+            <p:ph type="sldNum" sz="quarter" idx="5"/>
+          </p:nvPr>
+        </p:nvSpPr>
+        <p:spPr/>
+        <p:txBody>
+          <a:bodyPr/>
+          <a:lstStyle/>
+          <a:p>
+            <a:fld id="{4711D1B6-B90A-4A47-AE3A-C70A78AE92D2}" type="slidenum">
+              <a:rPr lang="ru-RU" smtClean="0"/>
+              <a:t>13</a:t>
+            </a:fld>
+            <a:endParaRPr lang="ru-RU"/>
+          </a:p>
+        </p:txBody>
+      </p:sp>
+    </p:spTree>
+    <p:extLst>
+      <p:ext uri="{BB962C8B-B14F-4D97-AF65-F5344CB8AC3E}">
+        <p14:creationId xmlns:p14="http://schemas.microsoft.com/office/powerpoint/2010/main" val="4191251900"/>
+      </p:ext>
+    </p:extLst>
+  </p:cSld>
+  <p:clrMapOvr>
+    <a:masterClrMapping/>
+  </p:clrMapOvr>
+</p:notes>
+</file>
+
+<file path=ppt/notesSlides/notesSlide14.xml><?xml version="1.0" encoding="utf-8"?>
+<p:notes xmlns:a="http://schemas.openxmlformats.org/drawingml/2006/main" xmlns:r="http://schemas.openxmlformats.org/officeDocument/2006/relationships" xmlns:p="http://schemas.openxmlformats.org/presentationml/2006/main">
+  <p:cSld>
+    <p:spTree>
+      <p:nvGrpSpPr>
+        <p:cNvPr id="1" name=""/>
+        <p:cNvGrpSpPr/>
+        <p:nvPr/>
+      </p:nvGrpSpPr>
+      <p:grpSpPr>
+        <a:xfrm>
+          <a:off x="0" y="0"/>
+          <a:ext cx="0" cy="0"/>
+          <a:chOff x="0" y="0"/>
+          <a:chExt cx="0" cy="0"/>
+        </a:xfrm>
+      </p:grpSpPr>
+      <p:sp>
+        <p:nvSpPr>
+          <p:cNvPr id="2" name="Образ слайда 1"/>
+          <p:cNvSpPr>
+            <a:spLocks noGrp="1" noRot="1" noChangeAspect="1"/>
+          </p:cNvSpPr>
+          <p:nvPr>
+            <p:ph type="sldImg"/>
+          </p:nvPr>
+        </p:nvSpPr>
+        <p:spPr/>
+      </p:sp>
+      <p:sp>
+        <p:nvSpPr>
+          <p:cNvPr id="3" name="Заметки 2"/>
+          <p:cNvSpPr>
+            <a:spLocks noGrp="1"/>
+          </p:cNvSpPr>
+          <p:nvPr>
+            <p:ph type="body" idx="1"/>
+          </p:nvPr>
+        </p:nvSpPr>
+        <p:spPr/>
+        <p:txBody>
+          <a:bodyPr/>
+          <a:lstStyle/>
+          <a:p>
+            <a:pPr marL="0" marR="0" lvl="0" indent="0" algn="l" defTabSz="914400" rtl="0" eaLnBrk="1" fontAlgn="auto" latinLnBrk="0" hangingPunct="1">
+              <a:lnSpc>
+                <a:spcPct val="100000"/>
+              </a:lnSpc>
+              <a:spcBef>
+                <a:spcPts val="0"/>
+              </a:spcBef>
+              <a:spcAft>
+                <a:spcPts val="0"/>
+              </a:spcAft>
+              <a:buClrTx/>
+              <a:buSzTx/>
+              <a:buFontTx/>
+              <a:buNone/>
+              <a:tabLst/>
+              <a:defRPr/>
+            </a:pPr>
+            <a:r>
+              <a:rPr lang="ru-RU" dirty="0"/>
+              <a:t>Результаты в разрезе гуманитарных ВУЗов</a:t>
+            </a:r>
+          </a:p>
+          <a:p>
+            <a:endParaRPr lang="ru-RU" dirty="0"/>
+          </a:p>
+        </p:txBody>
+      </p:sp>
+      <p:sp>
+        <p:nvSpPr>
+          <p:cNvPr id="4" name="Номер слайда 3"/>
+          <p:cNvSpPr>
+            <a:spLocks noGrp="1"/>
+          </p:cNvSpPr>
+          <p:nvPr>
+            <p:ph type="sldNum" sz="quarter" idx="5"/>
+          </p:nvPr>
+        </p:nvSpPr>
+        <p:spPr/>
+        <p:txBody>
+          <a:bodyPr/>
+          <a:lstStyle/>
+          <a:p>
+            <a:fld id="{4711D1B6-B90A-4A47-AE3A-C70A78AE92D2}" type="slidenum">
+              <a:rPr lang="ru-RU" smtClean="0"/>
+              <a:t>14</a:t>
+            </a:fld>
+            <a:endParaRPr lang="ru-RU"/>
+          </a:p>
+        </p:txBody>
+      </p:sp>
+    </p:spTree>
+    <p:extLst>
+      <p:ext uri="{BB962C8B-B14F-4D97-AF65-F5344CB8AC3E}">
+        <p14:creationId xmlns:p14="http://schemas.microsoft.com/office/powerpoint/2010/main" val="318518316"/>
+      </p:ext>
+    </p:extLst>
+  </p:cSld>
+  <p:clrMapOvr>
+    <a:masterClrMapping/>
+  </p:clrMapOvr>
+</p:notes>
+</file>
+
+<file path=ppt/notesSlides/notesSlide15.xml><?xml version="1.0" encoding="utf-8"?>
+<p:notes xmlns:a="http://schemas.openxmlformats.org/drawingml/2006/main" xmlns:r="http://schemas.openxmlformats.org/officeDocument/2006/relationships" xmlns:p="http://schemas.openxmlformats.org/presentationml/2006/main">
+  <p:cSld>
+    <p:spTree>
+      <p:nvGrpSpPr>
+        <p:cNvPr id="1" name=""/>
+        <p:cNvGrpSpPr/>
+        <p:nvPr/>
+      </p:nvGrpSpPr>
+      <p:grpSpPr>
+        <a:xfrm>
+          <a:off x="0" y="0"/>
+          <a:ext cx="0" cy="0"/>
+          <a:chOff x="0" y="0"/>
+          <a:chExt cx="0" cy="0"/>
+        </a:xfrm>
+      </p:grpSpPr>
+      <p:sp>
+        <p:nvSpPr>
+          <p:cNvPr id="2" name="Образ слайда 1"/>
+          <p:cNvSpPr>
+            <a:spLocks noGrp="1" noRot="1" noChangeAspect="1"/>
+          </p:cNvSpPr>
+          <p:nvPr>
+            <p:ph type="sldImg"/>
+          </p:nvPr>
+        </p:nvSpPr>
+        <p:spPr/>
+      </p:sp>
+      <p:sp>
+        <p:nvSpPr>
+          <p:cNvPr id="3" name="Заметки 2"/>
+          <p:cNvSpPr>
+            <a:spLocks noGrp="1"/>
+          </p:cNvSpPr>
+          <p:nvPr>
+            <p:ph type="body" idx="1"/>
+          </p:nvPr>
+        </p:nvSpPr>
+        <p:spPr/>
+        <p:txBody>
+          <a:bodyPr/>
+          <a:lstStyle/>
+          <a:p>
+            <a:r>
+              <a:rPr lang="ru-RU" dirty="0"/>
+              <a:t>При увеличении числа бюджетных мест на 10</a:t>
+            </a:r>
+            <a:r>
+              <a:rPr lang="en-US" dirty="0"/>
+              <a:t>% </a:t>
+            </a:r>
+            <a:r>
+              <a:rPr lang="ru-RU" dirty="0"/>
+              <a:t>средний балл уменьшился на 4</a:t>
+            </a:r>
+            <a:r>
+              <a:rPr lang="en-US" dirty="0"/>
+              <a:t>%</a:t>
+            </a:r>
+            <a:endParaRPr lang="ru-RU" dirty="0"/>
+          </a:p>
+        </p:txBody>
+      </p:sp>
+      <p:sp>
+        <p:nvSpPr>
+          <p:cNvPr id="4" name="Номер слайда 3"/>
+          <p:cNvSpPr>
+            <a:spLocks noGrp="1"/>
+          </p:cNvSpPr>
+          <p:nvPr>
+            <p:ph type="sldNum" sz="quarter" idx="5"/>
+          </p:nvPr>
+        </p:nvSpPr>
+        <p:spPr/>
+        <p:txBody>
+          <a:bodyPr/>
+          <a:lstStyle/>
+          <a:p>
+            <a:fld id="{4711D1B6-B90A-4A47-AE3A-C70A78AE92D2}" type="slidenum">
+              <a:rPr lang="ru-RU" smtClean="0"/>
+              <a:t>15</a:t>
+            </a:fld>
+            <a:endParaRPr lang="ru-RU"/>
+          </a:p>
+        </p:txBody>
+      </p:sp>
+    </p:spTree>
+    <p:extLst>
+      <p:ext uri="{BB962C8B-B14F-4D97-AF65-F5344CB8AC3E}">
+        <p14:creationId xmlns:p14="http://schemas.microsoft.com/office/powerpoint/2010/main" val="2558762483"/>
+      </p:ext>
+    </p:extLst>
+  </p:cSld>
+  <p:clrMapOvr>
+    <a:masterClrMapping/>
+  </p:clrMapOvr>
+</p:notes>
+</file>
+
+<file path=ppt/notesSlides/notesSlide16.xml><?xml version="1.0" encoding="utf-8"?>
+<p:notes xmlns:a="http://schemas.openxmlformats.org/drawingml/2006/main" xmlns:r="http://schemas.openxmlformats.org/officeDocument/2006/relationships" xmlns:p="http://schemas.openxmlformats.org/presentationml/2006/main">
+  <p:cSld>
+    <p:spTree>
+      <p:nvGrpSpPr>
+        <p:cNvPr id="1" name=""/>
+        <p:cNvGrpSpPr/>
+        <p:nvPr/>
+      </p:nvGrpSpPr>
+      <p:grpSpPr>
+        <a:xfrm>
+          <a:off x="0" y="0"/>
+          <a:ext cx="0" cy="0"/>
+          <a:chOff x="0" y="0"/>
+          <a:chExt cx="0" cy="0"/>
+        </a:xfrm>
+      </p:grpSpPr>
+      <p:sp>
+        <p:nvSpPr>
+          <p:cNvPr id="2" name="Образ слайда 1"/>
+          <p:cNvSpPr>
+            <a:spLocks noGrp="1" noRot="1" noChangeAspect="1"/>
+          </p:cNvSpPr>
+          <p:nvPr>
+            <p:ph type="sldImg"/>
+          </p:nvPr>
+        </p:nvSpPr>
+        <p:spPr/>
+      </p:sp>
+      <p:sp>
+        <p:nvSpPr>
+          <p:cNvPr id="3" name="Заметки 2"/>
+          <p:cNvSpPr>
+            <a:spLocks noGrp="1"/>
+          </p:cNvSpPr>
+          <p:nvPr>
+            <p:ph type="body" idx="1"/>
+          </p:nvPr>
+        </p:nvSpPr>
+        <p:spPr/>
+        <p:txBody>
+          <a:bodyPr/>
+          <a:lstStyle/>
+          <a:p>
+            <a:pPr marL="0" marR="0" lvl="0" indent="0" algn="l" defTabSz="914400" rtl="0" eaLnBrk="1" fontAlgn="auto" latinLnBrk="0" hangingPunct="1">
+              <a:lnSpc>
+                <a:spcPct val="100000"/>
+              </a:lnSpc>
+              <a:spcBef>
+                <a:spcPts val="0"/>
+              </a:spcBef>
+              <a:spcAft>
+                <a:spcPts val="0"/>
+              </a:spcAft>
+              <a:buClrTx/>
+              <a:buSzTx/>
+              <a:buFontTx/>
+              <a:buNone/>
+              <a:tabLst/>
+              <a:defRPr/>
+            </a:pPr>
+            <a:r>
+              <a:rPr lang="ru-RU" dirty="0"/>
+              <a:t>Результаты в разрезе медицинских ВУЗов</a:t>
+            </a:r>
+          </a:p>
+          <a:p>
+            <a:endParaRPr lang="ru-RU" dirty="0"/>
+          </a:p>
+        </p:txBody>
+      </p:sp>
+      <p:sp>
+        <p:nvSpPr>
+          <p:cNvPr id="4" name="Номер слайда 3"/>
+          <p:cNvSpPr>
+            <a:spLocks noGrp="1"/>
+          </p:cNvSpPr>
+          <p:nvPr>
+            <p:ph type="sldNum" sz="quarter" idx="5"/>
+          </p:nvPr>
+        </p:nvSpPr>
+        <p:spPr/>
+        <p:txBody>
+          <a:bodyPr/>
+          <a:lstStyle/>
+          <a:p>
+            <a:fld id="{4711D1B6-B90A-4A47-AE3A-C70A78AE92D2}" type="slidenum">
+              <a:rPr lang="ru-RU" smtClean="0"/>
+              <a:t>16</a:t>
+            </a:fld>
+            <a:endParaRPr lang="ru-RU"/>
+          </a:p>
+        </p:txBody>
+      </p:sp>
+    </p:spTree>
+    <p:extLst>
+      <p:ext uri="{BB962C8B-B14F-4D97-AF65-F5344CB8AC3E}">
+        <p14:creationId xmlns:p14="http://schemas.microsoft.com/office/powerpoint/2010/main" val="2768154665"/>
+      </p:ext>
+    </p:extLst>
+  </p:cSld>
+  <p:clrMapOvr>
+    <a:masterClrMapping/>
+  </p:clrMapOvr>
+</p:notes>
+</file>
+
+<file path=ppt/notesSlides/notesSlide17.xml><?xml version="1.0" encoding="utf-8"?>
+<p:notes xmlns:a="http://schemas.openxmlformats.org/drawingml/2006/main" xmlns:r="http://schemas.openxmlformats.org/officeDocument/2006/relationships" xmlns:p="http://schemas.openxmlformats.org/presentationml/2006/main">
+  <p:cSld>
+    <p:spTree>
+      <p:nvGrpSpPr>
+        <p:cNvPr id="1" name=""/>
+        <p:cNvGrpSpPr/>
+        <p:nvPr/>
+      </p:nvGrpSpPr>
+      <p:grpSpPr>
+        <a:xfrm>
+          <a:off x="0" y="0"/>
+          <a:ext cx="0" cy="0"/>
+          <a:chOff x="0" y="0"/>
+          <a:chExt cx="0" cy="0"/>
+        </a:xfrm>
+      </p:grpSpPr>
+      <p:sp>
+        <p:nvSpPr>
+          <p:cNvPr id="2" name="Образ слайда 1"/>
+          <p:cNvSpPr>
+            <a:spLocks noGrp="1" noRot="1" noChangeAspect="1"/>
+          </p:cNvSpPr>
+          <p:nvPr>
+            <p:ph type="sldImg"/>
+          </p:nvPr>
+        </p:nvSpPr>
+        <p:spPr/>
+      </p:sp>
+      <p:sp>
+        <p:nvSpPr>
+          <p:cNvPr id="3" name="Заметки 2"/>
+          <p:cNvSpPr>
+            <a:spLocks noGrp="1"/>
+          </p:cNvSpPr>
+          <p:nvPr>
+            <p:ph type="body" idx="1"/>
+          </p:nvPr>
+        </p:nvSpPr>
+        <p:spPr/>
+        <p:txBody>
+          <a:bodyPr/>
+          <a:lstStyle/>
+          <a:p>
+            <a:pPr marL="0" marR="0" lvl="0" indent="0" algn="l" defTabSz="914400" rtl="0" eaLnBrk="1" fontAlgn="auto" latinLnBrk="0" hangingPunct="1">
+              <a:lnSpc>
+                <a:spcPct val="100000"/>
+              </a:lnSpc>
+              <a:spcBef>
+                <a:spcPts val="0"/>
+              </a:spcBef>
+              <a:spcAft>
+                <a:spcPts val="0"/>
+              </a:spcAft>
+              <a:buClrTx/>
+              <a:buSzTx/>
+              <a:buFontTx/>
+              <a:buNone/>
+              <a:tabLst/>
+              <a:defRPr/>
+            </a:pPr>
+            <a:r>
+              <a:rPr lang="ru-RU" dirty="0"/>
+              <a:t>Результаты в разрезе гуманитарных ВУЗов</a:t>
+            </a:r>
+          </a:p>
+          <a:p>
+            <a:endParaRPr lang="ru-RU" dirty="0"/>
+          </a:p>
+        </p:txBody>
+      </p:sp>
+      <p:sp>
+        <p:nvSpPr>
+          <p:cNvPr id="4" name="Номер слайда 3"/>
+          <p:cNvSpPr>
+            <a:spLocks noGrp="1"/>
+          </p:cNvSpPr>
+          <p:nvPr>
+            <p:ph type="sldNum" sz="quarter" idx="5"/>
+          </p:nvPr>
+        </p:nvSpPr>
+        <p:spPr/>
+        <p:txBody>
+          <a:bodyPr/>
+          <a:lstStyle/>
+          <a:p>
+            <a:fld id="{4711D1B6-B90A-4A47-AE3A-C70A78AE92D2}" type="slidenum">
+              <a:rPr lang="ru-RU" smtClean="0"/>
+              <a:t>17</a:t>
+            </a:fld>
+            <a:endParaRPr lang="ru-RU"/>
+          </a:p>
+        </p:txBody>
+      </p:sp>
+    </p:spTree>
+    <p:extLst>
+      <p:ext uri="{BB962C8B-B14F-4D97-AF65-F5344CB8AC3E}">
+        <p14:creationId xmlns:p14="http://schemas.microsoft.com/office/powerpoint/2010/main" val="3979737926"/>
+      </p:ext>
+    </p:extLst>
+  </p:cSld>
+  <p:clrMapOvr>
+    <a:masterClrMapping/>
+  </p:clrMapOvr>
+</p:notes>
+</file>
+
+<file path=ppt/notesSlides/notesSlide18.xml><?xml version="1.0" encoding="utf-8"?>
+<p:notes xmlns:a="http://schemas.openxmlformats.org/drawingml/2006/main" xmlns:r="http://schemas.openxmlformats.org/officeDocument/2006/relationships" xmlns:p="http://schemas.openxmlformats.org/presentationml/2006/main">
+  <p:cSld>
+    <p:spTree>
+      <p:nvGrpSpPr>
+        <p:cNvPr id="1" name=""/>
+        <p:cNvGrpSpPr/>
+        <p:nvPr/>
+      </p:nvGrpSpPr>
+      <p:grpSpPr>
+        <a:xfrm>
+          <a:off x="0" y="0"/>
+          <a:ext cx="0" cy="0"/>
+          <a:chOff x="0" y="0"/>
+          <a:chExt cx="0" cy="0"/>
+        </a:xfrm>
+      </p:grpSpPr>
+      <p:sp>
+        <p:nvSpPr>
+          <p:cNvPr id="2" name="Образ слайда 1"/>
+          <p:cNvSpPr>
+            <a:spLocks noGrp="1" noRot="1" noChangeAspect="1"/>
+          </p:cNvSpPr>
+          <p:nvPr>
+            <p:ph type="sldImg"/>
+          </p:nvPr>
+        </p:nvSpPr>
+        <p:spPr/>
+      </p:sp>
+      <p:sp>
+        <p:nvSpPr>
+          <p:cNvPr id="3" name="Заметки 2"/>
+          <p:cNvSpPr>
+            <a:spLocks noGrp="1"/>
+          </p:cNvSpPr>
+          <p:nvPr>
+            <p:ph type="body" idx="1"/>
+          </p:nvPr>
+        </p:nvSpPr>
+        <p:spPr/>
+        <p:txBody>
+          <a:bodyPr/>
+          <a:lstStyle/>
+          <a:p>
+            <a:r>
+              <a:rPr lang="ru-RU" dirty="0"/>
+              <a:t>В результате проделанной работы был разработан метод прогнозирования итогов приема в ВУЗы России на основе </a:t>
+            </a:r>
+            <a:r>
+              <a:rPr lang="ru-RU" dirty="0" err="1"/>
+              <a:t>агентного</a:t>
+            </a:r>
+            <a:r>
+              <a:rPr lang="ru-RU" dirty="0"/>
+              <a:t> моделирования и его программная реализация. А также выполнены все поставленные задачи</a:t>
+            </a:r>
+          </a:p>
+        </p:txBody>
+      </p:sp>
+      <p:sp>
+        <p:nvSpPr>
+          <p:cNvPr id="4" name="Номер слайда 3"/>
+          <p:cNvSpPr>
+            <a:spLocks noGrp="1"/>
+          </p:cNvSpPr>
+          <p:nvPr>
+            <p:ph type="sldNum" sz="quarter" idx="5"/>
+          </p:nvPr>
+        </p:nvSpPr>
+        <p:spPr/>
+        <p:txBody>
+          <a:bodyPr/>
+          <a:lstStyle/>
+          <a:p>
+            <a:fld id="{4711D1B6-B90A-4A47-AE3A-C70A78AE92D2}" type="slidenum">
+              <a:rPr lang="ru-RU" smtClean="0"/>
+              <a:t>18</a:t>
+            </a:fld>
+            <a:endParaRPr lang="ru-RU"/>
+          </a:p>
+        </p:txBody>
+      </p:sp>
+    </p:spTree>
+    <p:extLst>
+      <p:ext uri="{BB962C8B-B14F-4D97-AF65-F5344CB8AC3E}">
+        <p14:creationId xmlns:p14="http://schemas.microsoft.com/office/powerpoint/2010/main" val="3329990762"/>
+      </p:ext>
+    </p:extLst>
+  </p:cSld>
+  <p:clrMapOvr>
+    <a:masterClrMapping/>
+  </p:clrMapOvr>
+</p:notes>
+</file>
+
+<file path=ppt/notesSlides/notesSlide19.xml><?xml version="1.0" encoding="utf-8"?>
+<p:notes xmlns:a="http://schemas.openxmlformats.org/drawingml/2006/main" xmlns:r="http://schemas.openxmlformats.org/officeDocument/2006/relationships" xmlns:p="http://schemas.openxmlformats.org/presentationml/2006/main">
+  <p:cSld>
+    <p:spTree>
+      <p:nvGrpSpPr>
+        <p:cNvPr id="1" name=""/>
+        <p:cNvGrpSpPr/>
+        <p:nvPr/>
+      </p:nvGrpSpPr>
+      <p:grpSpPr>
+        <a:xfrm>
+          <a:off x="0" y="0"/>
+          <a:ext cx="0" cy="0"/>
+          <a:chOff x="0" y="0"/>
+          <a:chExt cx="0" cy="0"/>
+        </a:xfrm>
+      </p:grpSpPr>
+      <p:sp>
+        <p:nvSpPr>
+          <p:cNvPr id="2" name="Образ слайда 1"/>
+          <p:cNvSpPr>
+            <a:spLocks noGrp="1" noRot="1" noChangeAspect="1"/>
+          </p:cNvSpPr>
+          <p:nvPr>
+            <p:ph type="sldImg"/>
+          </p:nvPr>
+        </p:nvSpPr>
+        <p:spPr/>
+      </p:sp>
+      <p:sp>
+        <p:nvSpPr>
+          <p:cNvPr id="3" name="Заметки 2"/>
+          <p:cNvSpPr>
+            <a:spLocks noGrp="1"/>
+          </p:cNvSpPr>
+          <p:nvPr>
+            <p:ph type="body" idx="1"/>
+          </p:nvPr>
+        </p:nvSpPr>
+        <p:spPr/>
+        <p:txBody>
+          <a:bodyPr/>
+          <a:lstStyle/>
+          <a:p>
+            <a:r>
+              <a:rPr lang="ru-RU" dirty="0"/>
+              <a:t>В качестве дальнейшего развития метода можно предложить многопоточную генерацию агентов, разработку нечестных и рисковых стратегий, при которых агент может быть зачислен сразу в несколько ВУЗов. А также добавление этапа приоритетного зачисления</a:t>
+            </a:r>
+          </a:p>
+        </p:txBody>
+      </p:sp>
+      <p:sp>
+        <p:nvSpPr>
+          <p:cNvPr id="4" name="Номер слайда 3"/>
+          <p:cNvSpPr>
+            <a:spLocks noGrp="1"/>
+          </p:cNvSpPr>
+          <p:nvPr>
+            <p:ph type="sldNum" sz="quarter" idx="5"/>
+          </p:nvPr>
+        </p:nvSpPr>
+        <p:spPr/>
+        <p:txBody>
+          <a:bodyPr/>
+          <a:lstStyle/>
+          <a:p>
+            <a:fld id="{4711D1B6-B90A-4A47-AE3A-C70A78AE92D2}" type="slidenum">
+              <a:rPr lang="ru-RU" smtClean="0"/>
+              <a:t>19</a:t>
+            </a:fld>
+            <a:endParaRPr lang="ru-RU"/>
+          </a:p>
+        </p:txBody>
+      </p:sp>
+    </p:spTree>
+    <p:extLst>
+      <p:ext uri="{BB962C8B-B14F-4D97-AF65-F5344CB8AC3E}">
+        <p14:creationId xmlns:p14="http://schemas.microsoft.com/office/powerpoint/2010/main" val="698724682"/>
       </p:ext>
     </p:extLst>
   </p:cSld>
@@ -621,7 +1612,146 @@
           <a:bodyPr/>
           <a:lstStyle/>
           <a:p>
+            <a:r>
+              <a:rPr lang="ru-RU" dirty="0"/>
+              <a:t>Цель моей работы – разработать метод прогнозирования итогов приема в ВУЗы России на основе </a:t>
+            </a:r>
+            <a:r>
+              <a:rPr lang="ru-RU" dirty="0" err="1"/>
+              <a:t>агентного</a:t>
+            </a:r>
+            <a:r>
+              <a:rPr lang="ru-RU" dirty="0"/>
+              <a:t> моделирования и его программную реализацию</a:t>
+            </a:r>
+          </a:p>
+          <a:p>
+            <a:r>
+              <a:rPr lang="ru-RU" dirty="0"/>
+              <a:t>Основные задачи: Анализ предметной области и методов прогнозирования, Разработка </a:t>
+            </a:r>
+            <a:r>
+              <a:rPr lang="ru-RU" dirty="0" err="1"/>
+              <a:t>агентной</a:t>
+            </a:r>
+            <a:r>
+              <a:rPr lang="ru-RU" dirty="0"/>
+              <a:t> модели прогнозирования поведения </a:t>
+            </a:r>
+            <a:r>
+              <a:rPr lang="ru-RU" dirty="0" err="1"/>
+              <a:t>абитриентов</a:t>
+            </a:r>
+            <a:endParaRPr lang="ru-RU" dirty="0"/>
+          </a:p>
+          <a:p>
+            <a:r>
+              <a:rPr lang="ru-RU" dirty="0"/>
+              <a:t>Разработка самого метода и </a:t>
+            </a:r>
+            <a:r>
+              <a:rPr lang="ru-RU" dirty="0" err="1"/>
+              <a:t>прог,обеспеч</a:t>
+            </a:r>
+            <a:r>
+              <a:rPr lang="ru-RU" dirty="0"/>
+              <a:t>,, которое его реализует А также исследования зависимости среднего балла кол-ва </a:t>
+            </a:r>
+            <a:r>
+              <a:rPr lang="ru-RU" dirty="0" err="1"/>
+              <a:t>бюдж</a:t>
+            </a:r>
+            <a:r>
+              <a:rPr lang="ru-RU" dirty="0"/>
+              <a:t>. мест</a:t>
+            </a:r>
+          </a:p>
+        </p:txBody>
+      </p:sp>
+      <p:sp>
+        <p:nvSpPr>
+          <p:cNvPr id="4" name="Номер слайда 3"/>
+          <p:cNvSpPr>
+            <a:spLocks noGrp="1"/>
+          </p:cNvSpPr>
+          <p:nvPr>
+            <p:ph type="sldNum" sz="quarter" idx="5"/>
+          </p:nvPr>
+        </p:nvSpPr>
+        <p:spPr/>
+        <p:txBody>
+          <a:bodyPr/>
+          <a:lstStyle/>
+          <a:p>
+            <a:fld id="{4711D1B6-B90A-4A47-AE3A-C70A78AE92D2}" type="slidenum">
+              <a:rPr lang="ru-RU" smtClean="0"/>
+              <a:t>2</a:t>
+            </a:fld>
             <a:endParaRPr lang="ru-RU"/>
+          </a:p>
+        </p:txBody>
+      </p:sp>
+    </p:spTree>
+    <p:extLst>
+      <p:ext uri="{BB962C8B-B14F-4D97-AF65-F5344CB8AC3E}">
+        <p14:creationId xmlns:p14="http://schemas.microsoft.com/office/powerpoint/2010/main" val="3917743120"/>
+      </p:ext>
+    </p:extLst>
+  </p:cSld>
+  <p:clrMapOvr>
+    <a:masterClrMapping/>
+  </p:clrMapOvr>
+</p:notes>
+</file>
+
+<file path=ppt/notesSlides/notesSlide3.xml><?xml version="1.0" encoding="utf-8"?>
+<p:notes xmlns:a="http://schemas.openxmlformats.org/drawingml/2006/main" xmlns:r="http://schemas.openxmlformats.org/officeDocument/2006/relationships" xmlns:p="http://schemas.openxmlformats.org/presentationml/2006/main">
+  <p:cSld>
+    <p:spTree>
+      <p:nvGrpSpPr>
+        <p:cNvPr id="1" name=""/>
+        <p:cNvGrpSpPr/>
+        <p:nvPr/>
+      </p:nvGrpSpPr>
+      <p:grpSpPr>
+        <a:xfrm>
+          <a:off x="0" y="0"/>
+          <a:ext cx="0" cy="0"/>
+          <a:chOff x="0" y="0"/>
+          <a:chExt cx="0" cy="0"/>
+        </a:xfrm>
+      </p:grpSpPr>
+      <p:sp>
+        <p:nvSpPr>
+          <p:cNvPr id="2" name="Образ слайда 1"/>
+          <p:cNvSpPr>
+            <a:spLocks noGrp="1" noRot="1" noChangeAspect="1"/>
+          </p:cNvSpPr>
+          <p:nvPr>
+            <p:ph type="sldImg"/>
+          </p:nvPr>
+        </p:nvSpPr>
+        <p:spPr/>
+      </p:sp>
+      <p:sp>
+        <p:nvSpPr>
+          <p:cNvPr id="3" name="Заметки 2"/>
+          <p:cNvSpPr>
+            <a:spLocks noGrp="1"/>
+          </p:cNvSpPr>
+          <p:nvPr>
+            <p:ph type="body" idx="1"/>
+          </p:nvPr>
+        </p:nvSpPr>
+        <p:spPr/>
+        <p:txBody>
+          <a:bodyPr/>
+          <a:lstStyle/>
+          <a:p>
+            <a:r>
+              <a:rPr lang="ru-RU" dirty="0"/>
+              <a:t>Схема организации приема в ВУЗы России представлена на слайде, она демонстрирует, что абитуриент может подать заявление не более чем в 5 ВУЗов, не более чем на 10 различных специальностей, точное их кол-во устанавливает ВУЗ</a:t>
+            </a:r>
           </a:p>
         </p:txBody>
       </p:sp>
@@ -652,6 +1782,587 @@
     <p:extLst>
       <p:ext uri="{BB962C8B-B14F-4D97-AF65-F5344CB8AC3E}">
         <p14:creationId xmlns:p14="http://schemas.microsoft.com/office/powerpoint/2010/main" val="3917743120"/>
+      </p:ext>
+    </p:extLst>
+  </p:cSld>
+  <p:clrMapOvr>
+    <a:masterClrMapping/>
+  </p:clrMapOvr>
+</p:notes>
+</file>
+
+<file path=ppt/notesSlides/notesSlide4.xml><?xml version="1.0" encoding="utf-8"?>
+<p:notes xmlns:a="http://schemas.openxmlformats.org/drawingml/2006/main" xmlns:r="http://schemas.openxmlformats.org/officeDocument/2006/relationships" xmlns:p="http://schemas.openxmlformats.org/presentationml/2006/main">
+  <p:cSld>
+    <p:spTree>
+      <p:nvGrpSpPr>
+        <p:cNvPr id="1" name=""/>
+        <p:cNvGrpSpPr/>
+        <p:nvPr/>
+      </p:nvGrpSpPr>
+      <p:grpSpPr>
+        <a:xfrm>
+          <a:off x="0" y="0"/>
+          <a:ext cx="0" cy="0"/>
+          <a:chOff x="0" y="0"/>
+          <a:chExt cx="0" cy="0"/>
+        </a:xfrm>
+      </p:grpSpPr>
+      <p:sp>
+        <p:nvSpPr>
+          <p:cNvPr id="2" name="Образ слайда 1"/>
+          <p:cNvSpPr>
+            <a:spLocks noGrp="1" noRot="1" noChangeAspect="1"/>
+          </p:cNvSpPr>
+          <p:nvPr>
+            <p:ph type="sldImg"/>
+          </p:nvPr>
+        </p:nvSpPr>
+        <p:spPr/>
+      </p:sp>
+      <p:sp>
+        <p:nvSpPr>
+          <p:cNvPr id="3" name="Заметки 2"/>
+          <p:cNvSpPr>
+            <a:spLocks noGrp="1"/>
+          </p:cNvSpPr>
+          <p:nvPr>
+            <p:ph type="body" idx="1"/>
+          </p:nvPr>
+        </p:nvSpPr>
+        <p:spPr/>
+        <p:txBody>
+          <a:bodyPr/>
+          <a:lstStyle/>
+          <a:p>
+            <a:r>
+              <a:rPr lang="ru-RU" dirty="0"/>
+              <a:t>На слайде представлена сравнительная таблица </a:t>
+            </a:r>
+            <a:r>
+              <a:rPr lang="ru-RU" dirty="0" err="1"/>
+              <a:t>сущ.методов</a:t>
+            </a:r>
+            <a:r>
+              <a:rPr lang="ru-RU" dirty="0"/>
+              <a:t> прогнозирования приема абитуриентов. Основная характеристика – это пересмотр результатов зачисления (при зачислении в ВУЗы России никакого пересмотра быть не может) и возможность получить устойчивое </a:t>
+            </a:r>
+            <a:r>
+              <a:rPr lang="ru-RU" dirty="0" err="1"/>
+              <a:t>паросочетание</a:t>
+            </a:r>
+            <a:r>
+              <a:rPr lang="ru-RU" dirty="0"/>
+              <a:t>, </a:t>
+            </a:r>
+            <a:r>
+              <a:rPr lang="ru-RU" dirty="0" err="1"/>
+              <a:t>т.е</a:t>
+            </a:r>
+            <a:r>
+              <a:rPr lang="ru-RU" dirty="0"/>
+              <a:t> такое что абитуриент не стремится найти себе другую пару, другой ВУЗ</a:t>
+            </a:r>
+          </a:p>
+        </p:txBody>
+      </p:sp>
+      <p:sp>
+        <p:nvSpPr>
+          <p:cNvPr id="4" name="Номер слайда 3"/>
+          <p:cNvSpPr>
+            <a:spLocks noGrp="1"/>
+          </p:cNvSpPr>
+          <p:nvPr>
+            <p:ph type="sldNum" sz="quarter" idx="5"/>
+          </p:nvPr>
+        </p:nvSpPr>
+        <p:spPr/>
+        <p:txBody>
+          <a:bodyPr/>
+          <a:lstStyle/>
+          <a:p>
+            <a:fld id="{4711D1B6-B90A-4A47-AE3A-C70A78AE92D2}" type="slidenum">
+              <a:rPr lang="ru-RU" smtClean="0"/>
+              <a:t>4</a:t>
+            </a:fld>
+            <a:endParaRPr lang="ru-RU"/>
+          </a:p>
+        </p:txBody>
+      </p:sp>
+    </p:spTree>
+    <p:extLst>
+      <p:ext uri="{BB962C8B-B14F-4D97-AF65-F5344CB8AC3E}">
+        <p14:creationId xmlns:p14="http://schemas.microsoft.com/office/powerpoint/2010/main" val="2684909020"/>
+      </p:ext>
+    </p:extLst>
+  </p:cSld>
+  <p:clrMapOvr>
+    <a:masterClrMapping/>
+  </p:clrMapOvr>
+</p:notes>
+</file>
+
+<file path=ppt/notesSlides/notesSlide5.xml><?xml version="1.0" encoding="utf-8"?>
+<p:notes xmlns:a="http://schemas.openxmlformats.org/drawingml/2006/main" xmlns:r="http://schemas.openxmlformats.org/officeDocument/2006/relationships" xmlns:p="http://schemas.openxmlformats.org/presentationml/2006/main">
+  <p:cSld>
+    <p:spTree>
+      <p:nvGrpSpPr>
+        <p:cNvPr id="1" name=""/>
+        <p:cNvGrpSpPr/>
+        <p:nvPr/>
+      </p:nvGrpSpPr>
+      <p:grpSpPr>
+        <a:xfrm>
+          <a:off x="0" y="0"/>
+          <a:ext cx="0" cy="0"/>
+          <a:chOff x="0" y="0"/>
+          <a:chExt cx="0" cy="0"/>
+        </a:xfrm>
+      </p:grpSpPr>
+      <p:sp>
+        <p:nvSpPr>
+          <p:cNvPr id="2" name="Образ слайда 1"/>
+          <p:cNvSpPr>
+            <a:spLocks noGrp="1" noRot="1" noChangeAspect="1"/>
+          </p:cNvSpPr>
+          <p:nvPr>
+            <p:ph type="sldImg"/>
+          </p:nvPr>
+        </p:nvSpPr>
+        <p:spPr/>
+      </p:sp>
+      <p:sp>
+        <p:nvSpPr>
+          <p:cNvPr id="3" name="Заметки 2"/>
+          <p:cNvSpPr>
+            <a:spLocks noGrp="1"/>
+          </p:cNvSpPr>
+          <p:nvPr>
+            <p:ph type="body" idx="1"/>
+          </p:nvPr>
+        </p:nvSpPr>
+        <p:spPr/>
+        <p:txBody>
+          <a:bodyPr/>
+          <a:lstStyle/>
+          <a:p>
+            <a:r>
+              <a:rPr lang="ru-RU" dirty="0"/>
+              <a:t>На следующем слайде представлена </a:t>
+            </a:r>
+            <a:r>
+              <a:rPr lang="en-US" dirty="0"/>
+              <a:t>IDEF0</a:t>
+            </a:r>
+            <a:r>
+              <a:rPr lang="ru-RU" dirty="0"/>
+              <a:t> диаграмма метода прогнозирования, который на входе получает формализованные данные, а на выходе создает прогноз конкурсной ситуации</a:t>
+            </a:r>
+          </a:p>
+        </p:txBody>
+      </p:sp>
+      <p:sp>
+        <p:nvSpPr>
+          <p:cNvPr id="4" name="Номер слайда 3"/>
+          <p:cNvSpPr>
+            <a:spLocks noGrp="1"/>
+          </p:cNvSpPr>
+          <p:nvPr>
+            <p:ph type="sldNum" sz="quarter" idx="5"/>
+          </p:nvPr>
+        </p:nvSpPr>
+        <p:spPr/>
+        <p:txBody>
+          <a:bodyPr/>
+          <a:lstStyle/>
+          <a:p>
+            <a:fld id="{4711D1B6-B90A-4A47-AE3A-C70A78AE92D2}" type="slidenum">
+              <a:rPr lang="ru-RU" smtClean="0"/>
+              <a:t>5</a:t>
+            </a:fld>
+            <a:endParaRPr lang="ru-RU"/>
+          </a:p>
+        </p:txBody>
+      </p:sp>
+    </p:spTree>
+    <p:extLst>
+      <p:ext uri="{BB962C8B-B14F-4D97-AF65-F5344CB8AC3E}">
+        <p14:creationId xmlns:p14="http://schemas.microsoft.com/office/powerpoint/2010/main" val="1802901411"/>
+      </p:ext>
+    </p:extLst>
+  </p:cSld>
+  <p:clrMapOvr>
+    <a:masterClrMapping/>
+  </p:clrMapOvr>
+</p:notes>
+</file>
+
+<file path=ppt/notesSlides/notesSlide6.xml><?xml version="1.0" encoding="utf-8"?>
+<p:notes xmlns:a="http://schemas.openxmlformats.org/drawingml/2006/main" xmlns:r="http://schemas.openxmlformats.org/officeDocument/2006/relationships" xmlns:p="http://schemas.openxmlformats.org/presentationml/2006/main">
+  <p:cSld>
+    <p:spTree>
+      <p:nvGrpSpPr>
+        <p:cNvPr id="1" name=""/>
+        <p:cNvGrpSpPr/>
+        <p:nvPr/>
+      </p:nvGrpSpPr>
+      <p:grpSpPr>
+        <a:xfrm>
+          <a:off x="0" y="0"/>
+          <a:ext cx="0" cy="0"/>
+          <a:chOff x="0" y="0"/>
+          <a:chExt cx="0" cy="0"/>
+        </a:xfrm>
+      </p:grpSpPr>
+      <p:sp>
+        <p:nvSpPr>
+          <p:cNvPr id="2" name="Образ слайда 1"/>
+          <p:cNvSpPr>
+            <a:spLocks noGrp="1" noRot="1" noChangeAspect="1"/>
+          </p:cNvSpPr>
+          <p:nvPr>
+            <p:ph type="sldImg"/>
+          </p:nvPr>
+        </p:nvSpPr>
+        <p:spPr/>
+      </p:sp>
+      <p:sp>
+        <p:nvSpPr>
+          <p:cNvPr id="3" name="Заметки 2"/>
+          <p:cNvSpPr>
+            <a:spLocks noGrp="1"/>
+          </p:cNvSpPr>
+          <p:nvPr>
+            <p:ph type="body" idx="1"/>
+          </p:nvPr>
+        </p:nvSpPr>
+        <p:spPr/>
+        <p:txBody>
+          <a:bodyPr/>
+          <a:lstStyle/>
+          <a:p>
+            <a:r>
+              <a:rPr lang="ru-RU" dirty="0"/>
+              <a:t>Исходная информация бралась из двух мониторингов, у которых названия ВУЗов, которые являются единственным идентификатором, были разными, в таблице на слайде это видно</a:t>
+            </a:r>
+          </a:p>
+          <a:p>
+            <a:r>
+              <a:rPr lang="ru-RU" dirty="0"/>
+              <a:t>Для решения данной проблемы был создан модуль формализации, который отправлял </a:t>
+            </a:r>
+            <a:r>
+              <a:rPr lang="en-US" dirty="0"/>
+              <a:t>http </a:t>
+            </a:r>
+            <a:r>
+              <a:rPr lang="ru-RU" dirty="0"/>
+              <a:t>запрос с названием ВУЗа с 1 источника, а затем с названием с 2-го и сравнивал их, если названия совпадали, то общее найденное название сохранялось в базу данных, в ином случае необходимо ручное сравнение</a:t>
+            </a:r>
+          </a:p>
+        </p:txBody>
+      </p:sp>
+      <p:sp>
+        <p:nvSpPr>
+          <p:cNvPr id="4" name="Номер слайда 3"/>
+          <p:cNvSpPr>
+            <a:spLocks noGrp="1"/>
+          </p:cNvSpPr>
+          <p:nvPr>
+            <p:ph type="sldNum" sz="quarter" idx="5"/>
+          </p:nvPr>
+        </p:nvSpPr>
+        <p:spPr/>
+        <p:txBody>
+          <a:bodyPr/>
+          <a:lstStyle/>
+          <a:p>
+            <a:fld id="{4711D1B6-B90A-4A47-AE3A-C70A78AE92D2}" type="slidenum">
+              <a:rPr lang="ru-RU" smtClean="0"/>
+              <a:t>6</a:t>
+            </a:fld>
+            <a:endParaRPr lang="ru-RU"/>
+          </a:p>
+        </p:txBody>
+      </p:sp>
+    </p:spTree>
+    <p:extLst>
+      <p:ext uri="{BB962C8B-B14F-4D97-AF65-F5344CB8AC3E}">
+        <p14:creationId xmlns:p14="http://schemas.microsoft.com/office/powerpoint/2010/main" val="979165023"/>
+      </p:ext>
+    </p:extLst>
+  </p:cSld>
+  <p:clrMapOvr>
+    <a:masterClrMapping/>
+  </p:clrMapOvr>
+</p:notes>
+</file>
+
+<file path=ppt/notesSlides/notesSlide7.xml><?xml version="1.0" encoding="utf-8"?>
+<p:notes xmlns:a="http://schemas.openxmlformats.org/drawingml/2006/main" xmlns:r="http://schemas.openxmlformats.org/officeDocument/2006/relationships" xmlns:p="http://schemas.openxmlformats.org/presentationml/2006/main">
+  <p:cSld>
+    <p:spTree>
+      <p:nvGrpSpPr>
+        <p:cNvPr id="1" name=""/>
+        <p:cNvGrpSpPr/>
+        <p:nvPr/>
+      </p:nvGrpSpPr>
+      <p:grpSpPr>
+        <a:xfrm>
+          <a:off x="0" y="0"/>
+          <a:ext cx="0" cy="0"/>
+          <a:chOff x="0" y="0"/>
+          <a:chExt cx="0" cy="0"/>
+        </a:xfrm>
+      </p:grpSpPr>
+      <p:sp>
+        <p:nvSpPr>
+          <p:cNvPr id="2" name="Образ слайда 1"/>
+          <p:cNvSpPr>
+            <a:spLocks noGrp="1" noRot="1" noChangeAspect="1"/>
+          </p:cNvSpPr>
+          <p:nvPr>
+            <p:ph type="sldImg"/>
+          </p:nvPr>
+        </p:nvSpPr>
+        <p:spPr/>
+      </p:sp>
+      <p:sp>
+        <p:nvSpPr>
+          <p:cNvPr id="3" name="Заметки 2"/>
+          <p:cNvSpPr>
+            <a:spLocks noGrp="1"/>
+          </p:cNvSpPr>
+          <p:nvPr>
+            <p:ph type="body" idx="1"/>
+          </p:nvPr>
+        </p:nvSpPr>
+        <p:spPr/>
+        <p:txBody>
+          <a:bodyPr/>
+          <a:lstStyle/>
+          <a:p>
+            <a:r>
+              <a:rPr lang="ru-RU" dirty="0"/>
+              <a:t>Исходная информация имела допущения – на первом мониторинге у каждого ВУЗа были перечислены неофициальные направления, которые необходимо было привести к официальным, пример с направлением «Геология» видно на слайде. Была составлена таблица долей - доля официального направления в неофициальном, а затем были пересчитаны бюджетные места и средний балл именно для официальных направлений</a:t>
+            </a:r>
+          </a:p>
+        </p:txBody>
+      </p:sp>
+      <p:sp>
+        <p:nvSpPr>
+          <p:cNvPr id="4" name="Номер слайда 3"/>
+          <p:cNvSpPr>
+            <a:spLocks noGrp="1"/>
+          </p:cNvSpPr>
+          <p:nvPr>
+            <p:ph type="sldNum" sz="quarter" idx="5"/>
+          </p:nvPr>
+        </p:nvSpPr>
+        <p:spPr/>
+        <p:txBody>
+          <a:bodyPr/>
+          <a:lstStyle/>
+          <a:p>
+            <a:fld id="{4711D1B6-B90A-4A47-AE3A-C70A78AE92D2}" type="slidenum">
+              <a:rPr lang="ru-RU" smtClean="0"/>
+              <a:t>7</a:t>
+            </a:fld>
+            <a:endParaRPr lang="ru-RU"/>
+          </a:p>
+        </p:txBody>
+      </p:sp>
+    </p:spTree>
+    <p:extLst>
+      <p:ext uri="{BB962C8B-B14F-4D97-AF65-F5344CB8AC3E}">
+        <p14:creationId xmlns:p14="http://schemas.microsoft.com/office/powerpoint/2010/main" val="2670974577"/>
+      </p:ext>
+    </p:extLst>
+  </p:cSld>
+  <p:clrMapOvr>
+    <a:masterClrMapping/>
+  </p:clrMapOvr>
+</p:notes>
+</file>
+
+<file path=ppt/notesSlides/notesSlide8.xml><?xml version="1.0" encoding="utf-8"?>
+<p:notes xmlns:a="http://schemas.openxmlformats.org/drawingml/2006/main" xmlns:r="http://schemas.openxmlformats.org/officeDocument/2006/relationships" xmlns:p="http://schemas.openxmlformats.org/presentationml/2006/main">
+  <p:cSld>
+    <p:spTree>
+      <p:nvGrpSpPr>
+        <p:cNvPr id="1" name=""/>
+        <p:cNvGrpSpPr/>
+        <p:nvPr/>
+      </p:nvGrpSpPr>
+      <p:grpSpPr>
+        <a:xfrm>
+          <a:off x="0" y="0"/>
+          <a:ext cx="0" cy="0"/>
+          <a:chOff x="0" y="0"/>
+          <a:chExt cx="0" cy="0"/>
+        </a:xfrm>
+      </p:grpSpPr>
+      <p:sp>
+        <p:nvSpPr>
+          <p:cNvPr id="2" name="Образ слайда 1"/>
+          <p:cNvSpPr>
+            <a:spLocks noGrp="1" noRot="1" noChangeAspect="1"/>
+          </p:cNvSpPr>
+          <p:nvPr>
+            <p:ph type="sldImg"/>
+          </p:nvPr>
+        </p:nvSpPr>
+        <p:spPr/>
+      </p:sp>
+      <p:sp>
+        <p:nvSpPr>
+          <p:cNvPr id="3" name="Заметки 2"/>
+          <p:cNvSpPr>
+            <a:spLocks noGrp="1"/>
+          </p:cNvSpPr>
+          <p:nvPr>
+            <p:ph type="body" idx="1"/>
+          </p:nvPr>
+        </p:nvSpPr>
+        <p:spPr/>
+        <p:txBody>
+          <a:bodyPr/>
+          <a:lstStyle/>
+          <a:p>
+            <a:r>
+              <a:rPr lang="ru-RU" dirty="0"/>
+              <a:t>Из характеристик агента были выделены домашний регион, необходимость общежития, интересующие УГСН, которые определялись исходя из набора сданных агентом ЕГЭ. Результаты сдачи ЕГЭ определялись согласно нормальному закону распределения, полученному из статистики регионального центра мониторинга в образовании</a:t>
+            </a:r>
+          </a:p>
+        </p:txBody>
+      </p:sp>
+      <p:sp>
+        <p:nvSpPr>
+          <p:cNvPr id="4" name="Номер слайда 3"/>
+          <p:cNvSpPr>
+            <a:spLocks noGrp="1"/>
+          </p:cNvSpPr>
+          <p:nvPr>
+            <p:ph type="sldNum" sz="quarter" idx="5"/>
+          </p:nvPr>
+        </p:nvSpPr>
+        <p:spPr/>
+        <p:txBody>
+          <a:bodyPr/>
+          <a:lstStyle/>
+          <a:p>
+            <a:fld id="{4711D1B6-B90A-4A47-AE3A-C70A78AE92D2}" type="slidenum">
+              <a:rPr lang="ru-RU" smtClean="0"/>
+              <a:t>8</a:t>
+            </a:fld>
+            <a:endParaRPr lang="ru-RU"/>
+          </a:p>
+        </p:txBody>
+      </p:sp>
+    </p:spTree>
+    <p:extLst>
+      <p:ext uri="{BB962C8B-B14F-4D97-AF65-F5344CB8AC3E}">
+        <p14:creationId xmlns:p14="http://schemas.microsoft.com/office/powerpoint/2010/main" val="127391001"/>
+      </p:ext>
+    </p:extLst>
+  </p:cSld>
+  <p:clrMapOvr>
+    <a:masterClrMapping/>
+  </p:clrMapOvr>
+</p:notes>
+</file>
+
+<file path=ppt/notesSlides/notesSlide9.xml><?xml version="1.0" encoding="utf-8"?>
+<p:notes xmlns:a="http://schemas.openxmlformats.org/drawingml/2006/main" xmlns:r="http://schemas.openxmlformats.org/officeDocument/2006/relationships" xmlns:p="http://schemas.openxmlformats.org/presentationml/2006/main">
+  <p:cSld>
+    <p:spTree>
+      <p:nvGrpSpPr>
+        <p:cNvPr id="1" name=""/>
+        <p:cNvGrpSpPr/>
+        <p:nvPr/>
+      </p:nvGrpSpPr>
+      <p:grpSpPr>
+        <a:xfrm>
+          <a:off x="0" y="0"/>
+          <a:ext cx="0" cy="0"/>
+          <a:chOff x="0" y="0"/>
+          <a:chExt cx="0" cy="0"/>
+        </a:xfrm>
+      </p:grpSpPr>
+      <p:sp>
+        <p:nvSpPr>
+          <p:cNvPr id="2" name="Образ слайда 1"/>
+          <p:cNvSpPr>
+            <a:spLocks noGrp="1" noRot="1" noChangeAspect="1"/>
+          </p:cNvSpPr>
+          <p:nvPr>
+            <p:ph type="sldImg"/>
+          </p:nvPr>
+        </p:nvSpPr>
+        <p:spPr/>
+      </p:sp>
+      <p:sp>
+        <p:nvSpPr>
+          <p:cNvPr id="3" name="Заметки 2"/>
+          <p:cNvSpPr>
+            <a:spLocks noGrp="1"/>
+          </p:cNvSpPr>
+          <p:nvPr>
+            <p:ph type="body" idx="1"/>
+          </p:nvPr>
+        </p:nvSpPr>
+        <p:spPr/>
+        <p:txBody>
+          <a:bodyPr/>
+          <a:lstStyle/>
+          <a:p>
+            <a:r>
+              <a:rPr lang="ru-RU" dirty="0"/>
+              <a:t>Модель прогнозирования поведения абитуриента включает в себя следующие основные этапы: анализ текущего положения в конкурсном списке, который </a:t>
+            </a:r>
+            <a:r>
+              <a:rPr lang="ru-RU" sz="1200" dirty="0">
+                <a:solidFill>
+                  <a:schemeClr val="dk1"/>
+                </a:solidFill>
+                <a:latin typeface="Times New Roman"/>
+                <a:ea typeface="Times New Roman"/>
+                <a:cs typeface="Times New Roman"/>
+                <a:sym typeface="Times New Roman"/>
+              </a:rPr>
+              <a:t>осуществляется в период подачи заявлений и для каждого агента выполняется 5 раз.</a:t>
+            </a:r>
+            <a:endParaRPr lang="ru-RU" dirty="0"/>
+          </a:p>
+        </p:txBody>
+      </p:sp>
+      <p:sp>
+        <p:nvSpPr>
+          <p:cNvPr id="4" name="Номер слайда 3"/>
+          <p:cNvSpPr>
+            <a:spLocks noGrp="1"/>
+          </p:cNvSpPr>
+          <p:nvPr>
+            <p:ph type="sldNum" sz="quarter" idx="5"/>
+          </p:nvPr>
+        </p:nvSpPr>
+        <p:spPr/>
+        <p:txBody>
+          <a:bodyPr/>
+          <a:lstStyle/>
+          <a:p>
+            <a:fld id="{4711D1B6-B90A-4A47-AE3A-C70A78AE92D2}" type="slidenum">
+              <a:rPr lang="ru-RU" smtClean="0"/>
+              <a:t>9</a:t>
+            </a:fld>
+            <a:endParaRPr lang="ru-RU"/>
+          </a:p>
+        </p:txBody>
+      </p:sp>
+    </p:spTree>
+    <p:extLst>
+      <p:ext uri="{BB962C8B-B14F-4D97-AF65-F5344CB8AC3E}">
+        <p14:creationId xmlns:p14="http://schemas.microsoft.com/office/powerpoint/2010/main" val="1471354439"/>
       </p:ext>
     </p:extLst>
   </p:cSld>
@@ -790,7 +2501,7 @@
           <a:p>
             <a:fld id="{16C289C3-CB64-5C4A-B77D-82FCF9A19D95}" type="datetime1">
               <a:rPr lang="ru-RU" smtClean="0"/>
-              <a:t>01.06.2022</a:t>
+              <a:t>02.06.2022</a:t>
             </a:fld>
             <a:endParaRPr lang="ru-RU"/>
           </a:p>
@@ -959,7 +2670,7 @@
           <a:p>
             <a:fld id="{79ECA59D-710E-DC48-9B5B-04E50C561BEB}" type="datetime1">
               <a:rPr lang="ru-RU" smtClean="0"/>
-              <a:t>01.06.2022</a:t>
+              <a:t>02.06.2022</a:t>
             </a:fld>
             <a:endParaRPr lang="ru-RU"/>
           </a:p>
@@ -1138,7 +2849,7 @@
           <a:p>
             <a:fld id="{754615A2-0723-7442-99C1-709556D2A307}" type="datetime1">
               <a:rPr lang="ru-RU" smtClean="0"/>
-              <a:t>01.06.2022</a:t>
+              <a:t>02.06.2022</a:t>
             </a:fld>
             <a:endParaRPr lang="ru-RU"/>
           </a:p>
@@ -1307,7 +3018,7 @@
           <a:p>
             <a:fld id="{550682FE-6EEF-0146-A8FF-B5375BD10606}" type="datetime1">
               <a:rPr lang="ru-RU" smtClean="0"/>
-              <a:t>01.06.2022</a:t>
+              <a:t>02.06.2022</a:t>
             </a:fld>
             <a:endParaRPr lang="ru-RU"/>
           </a:p>
@@ -1553,7 +3264,7 @@
           <a:p>
             <a:fld id="{AA167FA4-A27A-F541-91D9-8778CDDF3295}" type="datetime1">
               <a:rPr lang="ru-RU" smtClean="0"/>
-              <a:t>01.06.2022</a:t>
+              <a:t>02.06.2022</a:t>
             </a:fld>
             <a:endParaRPr lang="ru-RU"/>
           </a:p>
@@ -1783,7 +3494,7 @@
           <a:p>
             <a:fld id="{38659D3B-E85D-EE49-8395-4CB500546713}" type="datetime1">
               <a:rPr lang="ru-RU" smtClean="0"/>
-              <a:t>01.06.2022</a:t>
+              <a:t>02.06.2022</a:t>
             </a:fld>
             <a:endParaRPr lang="ru-RU"/>
           </a:p>
@@ -2148,7 +3859,7 @@
           <a:p>
             <a:fld id="{8CAEA6C4-7300-FC4F-981B-3AE718BF152F}" type="datetime1">
               <a:rPr lang="ru-RU" smtClean="0"/>
-              <a:t>01.06.2022</a:t>
+              <a:t>02.06.2022</a:t>
             </a:fld>
             <a:endParaRPr lang="ru-RU"/>
           </a:p>
@@ -2266,7 +3977,7 @@
           <a:p>
             <a:fld id="{6B8A5C0E-659A-044C-89E7-2D21B419F553}" type="datetime1">
               <a:rPr lang="ru-RU" smtClean="0"/>
-              <a:t>01.06.2022</a:t>
+              <a:t>02.06.2022</a:t>
             </a:fld>
             <a:endParaRPr lang="ru-RU"/>
           </a:p>
@@ -2362,7 +4073,7 @@
           <a:p>
             <a:fld id="{18BB0F01-282E-F640-9901-5103C400A83F}" type="datetime1">
               <a:rPr lang="ru-RU" smtClean="0"/>
-              <a:t>01.06.2022</a:t>
+              <a:t>02.06.2022</a:t>
             </a:fld>
             <a:endParaRPr lang="ru-RU"/>
           </a:p>
@@ -2638,7 +4349,7 @@
           <a:p>
             <a:fld id="{DF3F1C6E-A726-154D-9C01-BB9BD2865CD7}" type="datetime1">
               <a:rPr lang="ru-RU" smtClean="0"/>
-              <a:t>01.06.2022</a:t>
+              <a:t>02.06.2022</a:t>
             </a:fld>
             <a:endParaRPr lang="ru-RU"/>
           </a:p>
@@ -2891,7 +4602,7 @@
           <a:p>
             <a:fld id="{1E2AB2FD-7272-ED4B-9396-E6AEEF338E07}" type="datetime1">
               <a:rPr lang="ru-RU" smtClean="0"/>
-              <a:t>01.06.2022</a:t>
+              <a:t>02.06.2022</a:t>
             </a:fld>
             <a:endParaRPr lang="ru-RU"/>
           </a:p>
@@ -3103,7 +4814,7 @@
           <a:p>
             <a:fld id="{B0D4D91C-EA01-224A-A78D-D1BBF2F82F5F}" type="datetime1">
               <a:rPr lang="ru-RU" smtClean="0"/>
-              <a:t>01.06.2022</a:t>
+              <a:t>02.06.2022</a:t>
             </a:fld>
             <a:endParaRPr lang="ru-RU"/>
           </a:p>
@@ -3874,7 +5585,7 @@
           <p:nvPr/>
         </p:nvPicPr>
         <p:blipFill>
-          <a:blip r:embed="rId2">
+          <a:blip r:embed="rId3">
             <a:extLst>
               <a:ext uri="{28A0092B-C50C-407E-A947-70E740481C1C}">
                 <a14:useLocalDpi xmlns:a14="http://schemas.microsoft.com/office/drawing/2010/main" val="0"/>
@@ -3962,7 +5673,7 @@
           <p:nvPr/>
         </p:nvPicPr>
         <p:blipFill>
-          <a:blip r:embed="rId2">
+          <a:blip r:embed="rId3">
             <a:extLst>
               <a:ext uri="{28A0092B-C50C-407E-A947-70E740481C1C}">
                 <a14:useLocalDpi xmlns:a14="http://schemas.microsoft.com/office/drawing/2010/main" val="0"/>
@@ -4112,7 +5823,7 @@
           <p:nvPr/>
         </p:nvPicPr>
         <p:blipFill>
-          <a:blip r:embed="rId2">
+          <a:blip r:embed="rId3">
             <a:extLst>
               <a:ext uri="{28A0092B-C50C-407E-A947-70E740481C1C}">
                 <a14:useLocalDpi xmlns:a14="http://schemas.microsoft.com/office/drawing/2010/main" val="0"/>
@@ -4232,7 +5943,7 @@
           <p:nvPr/>
         </p:nvPicPr>
         <p:blipFill>
-          <a:blip r:embed="rId2">
+          <a:blip r:embed="rId3">
             <a:extLst>
               <a:ext uri="{28A0092B-C50C-407E-A947-70E740481C1C}">
                 <a14:useLocalDpi xmlns:a14="http://schemas.microsoft.com/office/drawing/2010/main" val="0"/>
@@ -4352,7 +6063,7 @@
           <p:nvPr/>
         </p:nvPicPr>
         <p:blipFill>
-          <a:blip r:embed="rId2">
+          <a:blip r:embed="rId3">
             <a:extLst>
               <a:ext uri="{28A0092B-C50C-407E-A947-70E740481C1C}">
                 <a14:useLocalDpi xmlns:a14="http://schemas.microsoft.com/office/drawing/2010/main" val="0"/>
@@ -4472,7 +6183,7 @@
           <p:nvPr/>
         </p:nvPicPr>
         <p:blipFill>
-          <a:blip r:embed="rId2">
+          <a:blip r:embed="rId3">
             <a:extLst>
               <a:ext uri="{28A0092B-C50C-407E-A947-70E740481C1C}">
                 <a14:useLocalDpi xmlns:a14="http://schemas.microsoft.com/office/drawing/2010/main" val="0"/>
@@ -4592,7 +6303,7 @@
           <p:nvPr/>
         </p:nvPicPr>
         <p:blipFill>
-          <a:blip r:embed="rId2">
+          <a:blip r:embed="rId3">
             <a:extLst>
               <a:ext uri="{28A0092B-C50C-407E-A947-70E740481C1C}">
                 <a14:useLocalDpi xmlns:a14="http://schemas.microsoft.com/office/drawing/2010/main" val="0"/>
@@ -4712,7 +6423,7 @@
           <p:nvPr/>
         </p:nvPicPr>
         <p:blipFill>
-          <a:blip r:embed="rId2">
+          <a:blip r:embed="rId3">
             <a:extLst>
               <a:ext uri="{28A0092B-C50C-407E-A947-70E740481C1C}">
                 <a14:useLocalDpi xmlns:a14="http://schemas.microsoft.com/office/drawing/2010/main" val="0"/>
@@ -6317,7 +8028,7 @@
           <p:nvPr/>
         </p:nvPicPr>
         <p:blipFill>
-          <a:blip r:embed="rId2">
+          <a:blip r:embed="rId3">
             <a:extLst>
               <a:ext uri="{28A0092B-C50C-407E-A947-70E740481C1C}">
                 <a14:useLocalDpi xmlns:a14="http://schemas.microsoft.com/office/drawing/2010/main" val="0"/>
@@ -6410,7 +8121,7 @@
           <p:nvPr/>
         </p:nvPicPr>
         <p:blipFill>
-          <a:blip r:embed="rId2"/>
+          <a:blip r:embed="rId3"/>
           <a:stretch>
             <a:fillRect/>
           </a:stretch>
@@ -6470,7 +8181,7 @@
           <p:nvPr/>
         </p:nvPicPr>
         <p:blipFill>
-          <a:blip r:embed="rId3">
+          <a:blip r:embed="rId4">
             <a:extLst>
               <a:ext uri="{28A0092B-C50C-407E-A947-70E740481C1C}">
                 <a14:useLocalDpi xmlns:a14="http://schemas.microsoft.com/office/drawing/2010/main" val="0"/>
@@ -6964,7 +8675,7 @@
                         <a:cs typeface="Times New Roman"/>
                         <a:sym typeface="Times New Roman"/>
                       </a:rPr>
-                      <m:t>−количество б</m:t>
+                      <m:t>−количество бюдже</m:t>
                     </m:r>
                     <m:r>
                       <a:rPr lang="ru-RU" sz="1500" b="0" i="1" smtClean="0">
@@ -6976,7 +8687,7 @@
                         <a:cs typeface="Times New Roman"/>
                         <a:sym typeface="Times New Roman"/>
                       </a:rPr>
-                      <m:t>юджетных мест в официальном </m:t>
+                      <m:t>тных мест в официальном </m:t>
                     </m:r>
                   </m:oMath>
                 </a14:m>
@@ -7292,7 +9003,7 @@
                 <a:avLst/>
               </a:prstGeom>
               <a:blipFill rotWithShape="1">
-                <a:blip r:embed="rId2"/>
+                <a:blip r:embed="rId3"/>
                 <a:stretch>
                   <a:fillRect l="-409" b="-11869"/>
                 </a:stretch>
@@ -7313,8 +9024,8 @@
           </p:sp>
         </mc:Fallback>
       </mc:AlternateContent>
-      <mc:AlternateContent xmlns:mc="http://schemas.openxmlformats.org/markup-compatibility/2006">
-        <mc:Choice xmlns:a14="http://schemas.microsoft.com/office/drawing/2010/main" Requires="a14">
+      <mc:AlternateContent xmlns:mc="http://schemas.openxmlformats.org/markup-compatibility/2006" xmlns:a14="http://schemas.microsoft.com/office/drawing/2010/main">
+        <mc:Choice Requires="a14">
           <p:sp>
             <p:nvSpPr>
               <p:cNvPr id="6" name="Прямоугольник 5">
@@ -7863,7 +9574,7 @@
             </p:txBody>
           </p:sp>
         </mc:Choice>
-        <mc:Fallback>
+        <mc:Fallback xmlns="">
           <p:sp>
             <p:nvSpPr>
               <p:cNvPr id="6" name="Прямоугольник 5">
@@ -7887,7 +9598,7 @@
                 <a:avLst/>
               </a:prstGeom>
               <a:blipFill>
-                <a:blip r:embed="rId3"/>
+                <a:blip r:embed="rId4"/>
                 <a:stretch>
                   <a:fillRect l="-820"/>
                 </a:stretch>
@@ -8612,7 +10323,7 @@
           <p:nvPr/>
         </p:nvPicPr>
         <p:blipFill>
-          <a:blip r:embed="rId2">
+          <a:blip r:embed="rId3">
             <a:extLst>
               <a:ext uri="{28A0092B-C50C-407E-A947-70E740481C1C}">
                 <a14:useLocalDpi xmlns:a14="http://schemas.microsoft.com/office/drawing/2010/main" val="0"/>
@@ -9193,7 +10904,7 @@
           <p:nvPr/>
         </p:nvPicPr>
         <p:blipFill>
-          <a:blip r:embed="rId2">
+          <a:blip r:embed="rId3">
             <a:extLst>
               <a:ext uri="{28A0092B-C50C-407E-A947-70E740481C1C}">
                 <a14:useLocalDpi xmlns:a14="http://schemas.microsoft.com/office/drawing/2010/main" val="0"/>
